--- a/HW/Week 4/Midterm Project Proposal.pptx
+++ b/HW/Week 4/Midterm Project Proposal.pptx
@@ -17252,7 +17252,7 @@
         <p:spPr>
           <a:xfrm>
             <a:off x="9254558" y="3604617"/>
-            <a:ext cx="6943384" cy="2308324"/>
+            <a:ext cx="6943384" cy="3077766"/>
           </a:xfrm>
           <a:prstGeom prst="rect">
             <a:avLst/>
@@ -17358,6 +17358,34 @@
                 <a:sym typeface="Merriweather"/>
               </a:rPr>
               <a:t>Slideshow images</a:t>
+            </a:r>
+          </a:p>
+          <a:p>
+            <a:pPr marL="342900" marR="0" lvl="0" indent="-342900" rtl="0">
+              <a:lnSpc>
+                <a:spcPct val="200000"/>
+              </a:lnSpc>
+              <a:spcBef>
+                <a:spcPts val="0"/>
+              </a:spcBef>
+              <a:spcAft>
+                <a:spcPts val="0"/>
+              </a:spcAft>
+              <a:buClr>
+                <a:srgbClr val="000000"/>
+              </a:buClr>
+              <a:buSzPts val="2500"/>
+              <a:buFont typeface="Arial" panose="020B0604020202020204" pitchFamily="34" charset="0"/>
+              <a:buChar char="•"/>
+            </a:pPr>
+            <a:r>
+              <a:rPr lang="en-US" sz="2500" dirty="0">
+                <a:latin typeface="Merriweather"/>
+                <a:ea typeface="Merriweather"/>
+                <a:cs typeface="Merriweather"/>
+                <a:sym typeface="Merriweather"/>
+              </a:rPr>
+              <a:t>Dynamic button (click-to-top)</a:t>
             </a:r>
           </a:p>
         </p:txBody>
